--- a/Презентация программы.pptx
+++ b/Презентация программы.pptx
@@ -6,13 +6,14 @@
   </p:sldMasterIdLst>
   <p:sldIdLst>
     <p:sldId id="256" r:id="rId2"/>
-    <p:sldId id="260" r:id="rId3"/>
-    <p:sldId id="261" r:id="rId4"/>
-    <p:sldId id="262" r:id="rId5"/>
-    <p:sldId id="257" r:id="rId6"/>
-    <p:sldId id="258" r:id="rId7"/>
-    <p:sldId id="259" r:id="rId8"/>
+    <p:sldId id="257" r:id="rId3"/>
+    <p:sldId id="258" r:id="rId4"/>
+    <p:sldId id="259" r:id="rId5"/>
+    <p:sldId id="260" r:id="rId6"/>
+    <p:sldId id="261" r:id="rId7"/>
+    <p:sldId id="262" r:id="rId8"/>
     <p:sldId id="263" r:id="rId9"/>
+    <p:sldId id="264" r:id="rId10"/>
   </p:sldIdLst>
   <p:sldSz cx="12192000" cy="6858000"/>
   <p:notesSz cx="6858000" cy="9144000"/>
@@ -113,62 +114,21 @@
   </p:defaultTextStyle>
   <p:extLst>
     <p:ext uri="{EFAFB233-063F-42B5-8137-9DF3F51BA10A}">
-      <p15:sldGuideLst xmlns:p15="http://schemas.microsoft.com/office/powerpoint/2012/main"/>
+      <p15:sldGuideLst xmlns:p15="http://schemas.microsoft.com/office/powerpoint/2012/main">
+        <p15:guide id="1" orient="horz" pos="2160" userDrawn="1">
+          <p15:clr>
+            <a:srgbClr val="A4A3A4"/>
+          </p15:clr>
+        </p15:guide>
+        <p15:guide id="2" pos="3840" userDrawn="1">
+          <p15:clr>
+            <a:srgbClr val="A4A3A4"/>
+          </p15:clr>
+        </p15:guide>
+      </p15:sldGuideLst>
     </p:ext>
   </p:extLst>
 </p:presentation>
-</file>
-
-<file path=ppt/revisionInfo.xml><?xml version="1.0" encoding="utf-8"?>
-<p1510:revInfo xmlns:a="http://schemas.openxmlformats.org/drawingml/2006/main" xmlns:r="http://schemas.openxmlformats.org/officeDocument/2006/relationships" xmlns:p1510="http://schemas.microsoft.com/office/powerpoint/2015/10/main">
-  <p1510:revLst>
-    <p1510:client id="{267170CD-C56D-4328-8124-768AFC2FC30A}" v="162" dt="2021-04-26T14:34:50.969"/>
-  </p1510:revLst>
-</p1510:revInfo>
-</file>
-
-<file path=ppt/changesInfos/changesInfo1.xml><?xml version="1.0" encoding="utf-8"?>
-<pc:chgInfo xmlns:a="http://schemas.openxmlformats.org/drawingml/2006/main" xmlns:r="http://schemas.openxmlformats.org/officeDocument/2006/relationships" xmlns:ac="http://schemas.microsoft.com/office/drawing/2013/main/command" xmlns:pc="http://schemas.microsoft.com/office/powerpoint/2013/main/command">
-  <pc:docChgLst>
-    <pc:chgData name="fedorarhipenkov" clId="Web-{267170CD-C56D-4328-8124-768AFC2FC30A}"/>
-    <pc:docChg chg="modSld">
-      <pc:chgData name="fedorarhipenkov" userId="" providerId="" clId="Web-{267170CD-C56D-4328-8124-768AFC2FC30A}" dt="2021-04-26T14:34:50.969" v="81" actId="20577"/>
-      <pc:docMkLst>
-        <pc:docMk/>
-      </pc:docMkLst>
-      <pc:sldChg chg="modSp">
-        <pc:chgData name="fedorarhipenkov" userId="" providerId="" clId="Web-{267170CD-C56D-4328-8124-768AFC2FC30A}" dt="2021-04-26T14:33:40.374" v="40" actId="20577"/>
-        <pc:sldMkLst>
-          <pc:docMk/>
-          <pc:sldMk cId="342360344" sldId="258"/>
-        </pc:sldMkLst>
-        <pc:spChg chg="mod">
-          <ac:chgData name="fedorarhipenkov" userId="" providerId="" clId="Web-{267170CD-C56D-4328-8124-768AFC2FC30A}" dt="2021-04-26T14:33:40.374" v="40" actId="20577"/>
-          <ac:spMkLst>
-            <pc:docMk/>
-            <pc:sldMk cId="342360344" sldId="258"/>
-            <ac:spMk id="2" creationId="{00000000-0000-0000-0000-000000000000}"/>
-          </ac:spMkLst>
-        </pc:spChg>
-      </pc:sldChg>
-      <pc:sldChg chg="modSp">
-        <pc:chgData name="fedorarhipenkov" userId="" providerId="" clId="Web-{267170CD-C56D-4328-8124-768AFC2FC30A}" dt="2021-04-26T14:34:50.969" v="81" actId="20577"/>
-        <pc:sldMkLst>
-          <pc:docMk/>
-          <pc:sldMk cId="3778239859" sldId="259"/>
-        </pc:sldMkLst>
-        <pc:spChg chg="mod">
-          <ac:chgData name="fedorarhipenkov" userId="" providerId="" clId="Web-{267170CD-C56D-4328-8124-768AFC2FC30A}" dt="2021-04-26T14:34:50.969" v="81" actId="20577"/>
-          <ac:spMkLst>
-            <pc:docMk/>
-            <pc:sldMk cId="3778239859" sldId="259"/>
-            <ac:spMk id="3" creationId="{00000000-0000-0000-0000-000000000000}"/>
-          </ac:spMkLst>
-        </pc:spChg>
-      </pc:sldChg>
-    </pc:docChg>
-  </pc:docChgLst>
-</pc:chgInfo>
 </file>
 
 <file path=ppt/slideLayouts/slideLayout1.xml><?xml version="1.0" encoding="utf-8"?>
@@ -213,9 +173,10 @@
           </a:lstStyle>
           <a:p>
             <a:r>
-              <a:rPr lang="ru-RU"/>
+              <a:rPr lang="ru-RU" smtClean="0"/>
               <a:t>Образец заголовка</a:t>
             </a:r>
+            <a:endParaRPr lang="ru-RU"/>
           </a:p>
         </p:txBody>
       </p:sp>
@@ -277,9 +238,10 @@
           </a:lstStyle>
           <a:p>
             <a:r>
-              <a:rPr lang="ru-RU"/>
+              <a:rPr lang="ru-RU" smtClean="0"/>
               <a:t>Образец подзаголовка</a:t>
             </a:r>
+            <a:endParaRPr lang="ru-RU"/>
           </a:p>
         </p:txBody>
       </p:sp>
@@ -298,9 +260,9 @@
           <a:bodyPr/>
           <a:lstStyle/>
           <a:p>
-            <a:fld id="{2FA08478-A228-4BEF-811F-AFB02380E252}" type="datetimeFigureOut">
-              <a:rPr lang="ru-RU" smtClean="0"/>
-              <a:t>26.04.2021</a:t>
+            <a:fld id="{848C1E3F-C681-4BB8-A056-F5A7CBA31011}" type="datetimeFigureOut">
+              <a:rPr lang="ru-RU" smtClean="0"/>
+              <a:t>10.05.2021</a:t>
             </a:fld>
             <a:endParaRPr lang="ru-RU"/>
           </a:p>
@@ -340,7 +302,7 @@
           <a:bodyPr/>
           <a:lstStyle/>
           <a:p>
-            <a:fld id="{DE38529E-1FA8-4CEE-89B9-8E36EAAE21F0}" type="slidenum">
+            <a:fld id="{D244833C-E1B6-4D51-A0DC-659BD674F9AC}" type="slidenum">
               <a:rPr lang="ru-RU" smtClean="0"/>
               <a:t>‹#›</a:t>
             </a:fld>
@@ -351,7 +313,7 @@
     </p:spTree>
     <p:extLst>
       <p:ext uri="{BB962C8B-B14F-4D97-AF65-F5344CB8AC3E}">
-        <p14:creationId xmlns:p14="http://schemas.microsoft.com/office/powerpoint/2010/main" val="386707074"/>
+        <p14:creationId xmlns:p14="http://schemas.microsoft.com/office/powerpoint/2010/main" val="3062456508"/>
       </p:ext>
     </p:extLst>
   </p:cSld>
@@ -394,9 +356,10 @@
           <a:lstStyle/>
           <a:p>
             <a:r>
-              <a:rPr lang="ru-RU"/>
+              <a:rPr lang="ru-RU" smtClean="0"/>
               <a:t>Образец заголовка</a:t>
             </a:r>
+            <a:endParaRPr lang="ru-RU"/>
           </a:p>
         </p:txBody>
       </p:sp>
@@ -417,37 +380,38 @@
           <a:p>
             <a:pPr lvl="0"/>
             <a:r>
-              <a:rPr lang="ru-RU"/>
+              <a:rPr lang="ru-RU" smtClean="0"/>
               <a:t>Образец текста</a:t>
             </a:r>
           </a:p>
           <a:p>
             <a:pPr lvl="1"/>
             <a:r>
-              <a:rPr lang="ru-RU"/>
+              <a:rPr lang="ru-RU" smtClean="0"/>
               <a:t>Второй уровень</a:t>
             </a:r>
           </a:p>
           <a:p>
             <a:pPr lvl="2"/>
             <a:r>
-              <a:rPr lang="ru-RU"/>
+              <a:rPr lang="ru-RU" smtClean="0"/>
               <a:t>Третий уровень</a:t>
             </a:r>
           </a:p>
           <a:p>
             <a:pPr lvl="3"/>
             <a:r>
-              <a:rPr lang="ru-RU"/>
+              <a:rPr lang="ru-RU" smtClean="0"/>
               <a:t>Четвертый уровень</a:t>
             </a:r>
           </a:p>
           <a:p>
             <a:pPr lvl="4"/>
             <a:r>
-              <a:rPr lang="ru-RU"/>
+              <a:rPr lang="ru-RU" smtClean="0"/>
               <a:t>Пятый уровень</a:t>
             </a:r>
+            <a:endParaRPr lang="ru-RU"/>
           </a:p>
         </p:txBody>
       </p:sp>
@@ -466,9 +430,9 @@
           <a:bodyPr/>
           <a:lstStyle/>
           <a:p>
-            <a:fld id="{2FA08478-A228-4BEF-811F-AFB02380E252}" type="datetimeFigureOut">
-              <a:rPr lang="ru-RU" smtClean="0"/>
-              <a:t>26.04.2021</a:t>
+            <a:fld id="{848C1E3F-C681-4BB8-A056-F5A7CBA31011}" type="datetimeFigureOut">
+              <a:rPr lang="ru-RU" smtClean="0"/>
+              <a:t>10.05.2021</a:t>
             </a:fld>
             <a:endParaRPr lang="ru-RU"/>
           </a:p>
@@ -508,7 +472,7 @@
           <a:bodyPr/>
           <a:lstStyle/>
           <a:p>
-            <a:fld id="{DE38529E-1FA8-4CEE-89B9-8E36EAAE21F0}" type="slidenum">
+            <a:fld id="{D244833C-E1B6-4D51-A0DC-659BD674F9AC}" type="slidenum">
               <a:rPr lang="ru-RU" smtClean="0"/>
               <a:t>‹#›</a:t>
             </a:fld>
@@ -519,7 +483,7 @@
     </p:spTree>
     <p:extLst>
       <p:ext uri="{BB962C8B-B14F-4D97-AF65-F5344CB8AC3E}">
-        <p14:creationId xmlns:p14="http://schemas.microsoft.com/office/powerpoint/2010/main" val="1103967124"/>
+        <p14:creationId xmlns:p14="http://schemas.microsoft.com/office/powerpoint/2010/main" val="2079520537"/>
       </p:ext>
     </p:extLst>
   </p:cSld>
@@ -567,9 +531,10 @@
           <a:lstStyle/>
           <a:p>
             <a:r>
-              <a:rPr lang="ru-RU"/>
+              <a:rPr lang="ru-RU" smtClean="0"/>
               <a:t>Образец заголовка</a:t>
             </a:r>
+            <a:endParaRPr lang="ru-RU"/>
           </a:p>
         </p:txBody>
       </p:sp>
@@ -595,37 +560,38 @@
           <a:p>
             <a:pPr lvl="0"/>
             <a:r>
-              <a:rPr lang="ru-RU"/>
+              <a:rPr lang="ru-RU" smtClean="0"/>
               <a:t>Образец текста</a:t>
             </a:r>
           </a:p>
           <a:p>
             <a:pPr lvl="1"/>
             <a:r>
-              <a:rPr lang="ru-RU"/>
+              <a:rPr lang="ru-RU" smtClean="0"/>
               <a:t>Второй уровень</a:t>
             </a:r>
           </a:p>
           <a:p>
             <a:pPr lvl="2"/>
             <a:r>
-              <a:rPr lang="ru-RU"/>
+              <a:rPr lang="ru-RU" smtClean="0"/>
               <a:t>Третий уровень</a:t>
             </a:r>
           </a:p>
           <a:p>
             <a:pPr lvl="3"/>
             <a:r>
-              <a:rPr lang="ru-RU"/>
+              <a:rPr lang="ru-RU" smtClean="0"/>
               <a:t>Четвертый уровень</a:t>
             </a:r>
           </a:p>
           <a:p>
             <a:pPr lvl="4"/>
             <a:r>
-              <a:rPr lang="ru-RU"/>
+              <a:rPr lang="ru-RU" smtClean="0"/>
               <a:t>Пятый уровень</a:t>
             </a:r>
+            <a:endParaRPr lang="ru-RU"/>
           </a:p>
         </p:txBody>
       </p:sp>
@@ -644,9 +610,9 @@
           <a:bodyPr/>
           <a:lstStyle/>
           <a:p>
-            <a:fld id="{2FA08478-A228-4BEF-811F-AFB02380E252}" type="datetimeFigureOut">
-              <a:rPr lang="ru-RU" smtClean="0"/>
-              <a:t>26.04.2021</a:t>
+            <a:fld id="{848C1E3F-C681-4BB8-A056-F5A7CBA31011}" type="datetimeFigureOut">
+              <a:rPr lang="ru-RU" smtClean="0"/>
+              <a:t>10.05.2021</a:t>
             </a:fld>
             <a:endParaRPr lang="ru-RU"/>
           </a:p>
@@ -686,7 +652,7 @@
           <a:bodyPr/>
           <a:lstStyle/>
           <a:p>
-            <a:fld id="{DE38529E-1FA8-4CEE-89B9-8E36EAAE21F0}" type="slidenum">
+            <a:fld id="{D244833C-E1B6-4D51-A0DC-659BD674F9AC}" type="slidenum">
               <a:rPr lang="ru-RU" smtClean="0"/>
               <a:t>‹#›</a:t>
             </a:fld>
@@ -697,7 +663,7 @@
     </p:spTree>
     <p:extLst>
       <p:ext uri="{BB962C8B-B14F-4D97-AF65-F5344CB8AC3E}">
-        <p14:creationId xmlns:p14="http://schemas.microsoft.com/office/powerpoint/2010/main" val="641610398"/>
+        <p14:creationId xmlns:p14="http://schemas.microsoft.com/office/powerpoint/2010/main" val="3997040978"/>
       </p:ext>
     </p:extLst>
   </p:cSld>
@@ -740,9 +706,10 @@
           <a:lstStyle/>
           <a:p>
             <a:r>
-              <a:rPr lang="ru-RU"/>
+              <a:rPr lang="ru-RU" smtClean="0"/>
               <a:t>Образец заголовка</a:t>
             </a:r>
+            <a:endParaRPr lang="ru-RU"/>
           </a:p>
         </p:txBody>
       </p:sp>
@@ -763,37 +730,38 @@
           <a:p>
             <a:pPr lvl="0"/>
             <a:r>
-              <a:rPr lang="ru-RU"/>
+              <a:rPr lang="ru-RU" smtClean="0"/>
               <a:t>Образец текста</a:t>
             </a:r>
           </a:p>
           <a:p>
             <a:pPr lvl="1"/>
             <a:r>
-              <a:rPr lang="ru-RU"/>
+              <a:rPr lang="ru-RU" smtClean="0"/>
               <a:t>Второй уровень</a:t>
             </a:r>
           </a:p>
           <a:p>
             <a:pPr lvl="2"/>
             <a:r>
-              <a:rPr lang="ru-RU"/>
+              <a:rPr lang="ru-RU" smtClean="0"/>
               <a:t>Третий уровень</a:t>
             </a:r>
           </a:p>
           <a:p>
             <a:pPr lvl="3"/>
             <a:r>
-              <a:rPr lang="ru-RU"/>
+              <a:rPr lang="ru-RU" smtClean="0"/>
               <a:t>Четвертый уровень</a:t>
             </a:r>
           </a:p>
           <a:p>
             <a:pPr lvl="4"/>
             <a:r>
-              <a:rPr lang="ru-RU"/>
+              <a:rPr lang="ru-RU" smtClean="0"/>
               <a:t>Пятый уровень</a:t>
             </a:r>
+            <a:endParaRPr lang="ru-RU"/>
           </a:p>
         </p:txBody>
       </p:sp>
@@ -812,9 +780,9 @@
           <a:bodyPr/>
           <a:lstStyle/>
           <a:p>
-            <a:fld id="{2FA08478-A228-4BEF-811F-AFB02380E252}" type="datetimeFigureOut">
-              <a:rPr lang="ru-RU" smtClean="0"/>
-              <a:t>26.04.2021</a:t>
+            <a:fld id="{848C1E3F-C681-4BB8-A056-F5A7CBA31011}" type="datetimeFigureOut">
+              <a:rPr lang="ru-RU" smtClean="0"/>
+              <a:t>10.05.2021</a:t>
             </a:fld>
             <a:endParaRPr lang="ru-RU"/>
           </a:p>
@@ -854,7 +822,7 @@
           <a:bodyPr/>
           <a:lstStyle/>
           <a:p>
-            <a:fld id="{DE38529E-1FA8-4CEE-89B9-8E36EAAE21F0}" type="slidenum">
+            <a:fld id="{D244833C-E1B6-4D51-A0DC-659BD674F9AC}" type="slidenum">
               <a:rPr lang="ru-RU" smtClean="0"/>
               <a:t>‹#›</a:t>
             </a:fld>
@@ -865,7 +833,7 @@
     </p:spTree>
     <p:extLst>
       <p:ext uri="{BB962C8B-B14F-4D97-AF65-F5344CB8AC3E}">
-        <p14:creationId xmlns:p14="http://schemas.microsoft.com/office/powerpoint/2010/main" val="523246441"/>
+        <p14:creationId xmlns:p14="http://schemas.microsoft.com/office/powerpoint/2010/main" val="3192833852"/>
       </p:ext>
     </p:extLst>
   </p:cSld>
@@ -917,9 +885,10 @@
           </a:lstStyle>
           <a:p>
             <a:r>
-              <a:rPr lang="ru-RU"/>
+              <a:rPr lang="ru-RU" smtClean="0"/>
               <a:t>Образец заголовка</a:t>
             </a:r>
+            <a:endParaRPr lang="ru-RU"/>
           </a:p>
         </p:txBody>
       </p:sp>
@@ -1036,7 +1005,7 @@
           <a:p>
             <a:pPr lvl="0"/>
             <a:r>
-              <a:rPr lang="ru-RU"/>
+              <a:rPr lang="ru-RU" smtClean="0"/>
               <a:t>Образец текста</a:t>
             </a:r>
           </a:p>
@@ -1057,9 +1026,9 @@
           <a:bodyPr/>
           <a:lstStyle/>
           <a:p>
-            <a:fld id="{2FA08478-A228-4BEF-811F-AFB02380E252}" type="datetimeFigureOut">
-              <a:rPr lang="ru-RU" smtClean="0"/>
-              <a:t>26.04.2021</a:t>
+            <a:fld id="{848C1E3F-C681-4BB8-A056-F5A7CBA31011}" type="datetimeFigureOut">
+              <a:rPr lang="ru-RU" smtClean="0"/>
+              <a:t>10.05.2021</a:t>
             </a:fld>
             <a:endParaRPr lang="ru-RU"/>
           </a:p>
@@ -1099,7 +1068,7 @@
           <a:bodyPr/>
           <a:lstStyle/>
           <a:p>
-            <a:fld id="{DE38529E-1FA8-4CEE-89B9-8E36EAAE21F0}" type="slidenum">
+            <a:fld id="{D244833C-E1B6-4D51-A0DC-659BD674F9AC}" type="slidenum">
               <a:rPr lang="ru-RU" smtClean="0"/>
               <a:t>‹#›</a:t>
             </a:fld>
@@ -1110,7 +1079,7 @@
     </p:spTree>
     <p:extLst>
       <p:ext uri="{BB962C8B-B14F-4D97-AF65-F5344CB8AC3E}">
-        <p14:creationId xmlns:p14="http://schemas.microsoft.com/office/powerpoint/2010/main" val="2523008358"/>
+        <p14:creationId xmlns:p14="http://schemas.microsoft.com/office/powerpoint/2010/main" val="1478995306"/>
       </p:ext>
     </p:extLst>
   </p:cSld>
@@ -1153,9 +1122,10 @@
           <a:lstStyle/>
           <a:p>
             <a:r>
-              <a:rPr lang="ru-RU"/>
+              <a:rPr lang="ru-RU" smtClean="0"/>
               <a:t>Образец заголовка</a:t>
             </a:r>
+            <a:endParaRPr lang="ru-RU"/>
           </a:p>
         </p:txBody>
       </p:sp>
@@ -1181,37 +1151,38 @@
           <a:p>
             <a:pPr lvl="0"/>
             <a:r>
-              <a:rPr lang="ru-RU"/>
+              <a:rPr lang="ru-RU" smtClean="0"/>
               <a:t>Образец текста</a:t>
             </a:r>
           </a:p>
           <a:p>
             <a:pPr lvl="1"/>
             <a:r>
-              <a:rPr lang="ru-RU"/>
+              <a:rPr lang="ru-RU" smtClean="0"/>
               <a:t>Второй уровень</a:t>
             </a:r>
           </a:p>
           <a:p>
             <a:pPr lvl="2"/>
             <a:r>
-              <a:rPr lang="ru-RU"/>
+              <a:rPr lang="ru-RU" smtClean="0"/>
               <a:t>Третий уровень</a:t>
             </a:r>
           </a:p>
           <a:p>
             <a:pPr lvl="3"/>
             <a:r>
-              <a:rPr lang="ru-RU"/>
+              <a:rPr lang="ru-RU" smtClean="0"/>
               <a:t>Четвертый уровень</a:t>
             </a:r>
           </a:p>
           <a:p>
             <a:pPr lvl="4"/>
             <a:r>
-              <a:rPr lang="ru-RU"/>
+              <a:rPr lang="ru-RU" smtClean="0"/>
               <a:t>Пятый уровень</a:t>
             </a:r>
+            <a:endParaRPr lang="ru-RU"/>
           </a:p>
         </p:txBody>
       </p:sp>
@@ -1237,37 +1208,38 @@
           <a:p>
             <a:pPr lvl="0"/>
             <a:r>
-              <a:rPr lang="ru-RU"/>
+              <a:rPr lang="ru-RU" smtClean="0"/>
               <a:t>Образец текста</a:t>
             </a:r>
           </a:p>
           <a:p>
             <a:pPr lvl="1"/>
             <a:r>
-              <a:rPr lang="ru-RU"/>
+              <a:rPr lang="ru-RU" smtClean="0"/>
               <a:t>Второй уровень</a:t>
             </a:r>
           </a:p>
           <a:p>
             <a:pPr lvl="2"/>
             <a:r>
-              <a:rPr lang="ru-RU"/>
+              <a:rPr lang="ru-RU" smtClean="0"/>
               <a:t>Третий уровень</a:t>
             </a:r>
           </a:p>
           <a:p>
             <a:pPr lvl="3"/>
             <a:r>
-              <a:rPr lang="ru-RU"/>
+              <a:rPr lang="ru-RU" smtClean="0"/>
               <a:t>Четвертый уровень</a:t>
             </a:r>
           </a:p>
           <a:p>
             <a:pPr lvl="4"/>
             <a:r>
-              <a:rPr lang="ru-RU"/>
+              <a:rPr lang="ru-RU" smtClean="0"/>
               <a:t>Пятый уровень</a:t>
             </a:r>
+            <a:endParaRPr lang="ru-RU"/>
           </a:p>
         </p:txBody>
       </p:sp>
@@ -1286,9 +1258,9 @@
           <a:bodyPr/>
           <a:lstStyle/>
           <a:p>
-            <a:fld id="{2FA08478-A228-4BEF-811F-AFB02380E252}" type="datetimeFigureOut">
-              <a:rPr lang="ru-RU" smtClean="0"/>
-              <a:t>26.04.2021</a:t>
+            <a:fld id="{848C1E3F-C681-4BB8-A056-F5A7CBA31011}" type="datetimeFigureOut">
+              <a:rPr lang="ru-RU" smtClean="0"/>
+              <a:t>10.05.2021</a:t>
             </a:fld>
             <a:endParaRPr lang="ru-RU"/>
           </a:p>
@@ -1328,7 +1300,7 @@
           <a:bodyPr/>
           <a:lstStyle/>
           <a:p>
-            <a:fld id="{DE38529E-1FA8-4CEE-89B9-8E36EAAE21F0}" type="slidenum">
+            <a:fld id="{D244833C-E1B6-4D51-A0DC-659BD674F9AC}" type="slidenum">
               <a:rPr lang="ru-RU" smtClean="0"/>
               <a:t>‹#›</a:t>
             </a:fld>
@@ -1339,7 +1311,7 @@
     </p:spTree>
     <p:extLst>
       <p:ext uri="{BB962C8B-B14F-4D97-AF65-F5344CB8AC3E}">
-        <p14:creationId xmlns:p14="http://schemas.microsoft.com/office/powerpoint/2010/main" val="1814848975"/>
+        <p14:creationId xmlns:p14="http://schemas.microsoft.com/office/powerpoint/2010/main" val="2486354148"/>
       </p:ext>
     </p:extLst>
   </p:cSld>
@@ -1387,9 +1359,10 @@
           <a:lstStyle/>
           <a:p>
             <a:r>
-              <a:rPr lang="ru-RU"/>
+              <a:rPr lang="ru-RU" smtClean="0"/>
               <a:t>Образец заголовка</a:t>
             </a:r>
+            <a:endParaRPr lang="ru-RU"/>
           </a:p>
         </p:txBody>
       </p:sp>
@@ -1452,7 +1425,7 @@
           <a:p>
             <a:pPr lvl="0"/>
             <a:r>
-              <a:rPr lang="ru-RU"/>
+              <a:rPr lang="ru-RU" smtClean="0"/>
               <a:t>Образец текста</a:t>
             </a:r>
           </a:p>
@@ -1480,37 +1453,38 @@
           <a:p>
             <a:pPr lvl="0"/>
             <a:r>
-              <a:rPr lang="ru-RU"/>
+              <a:rPr lang="ru-RU" smtClean="0"/>
               <a:t>Образец текста</a:t>
             </a:r>
           </a:p>
           <a:p>
             <a:pPr lvl="1"/>
             <a:r>
-              <a:rPr lang="ru-RU"/>
+              <a:rPr lang="ru-RU" smtClean="0"/>
               <a:t>Второй уровень</a:t>
             </a:r>
           </a:p>
           <a:p>
             <a:pPr lvl="2"/>
             <a:r>
-              <a:rPr lang="ru-RU"/>
+              <a:rPr lang="ru-RU" smtClean="0"/>
               <a:t>Третий уровень</a:t>
             </a:r>
           </a:p>
           <a:p>
             <a:pPr lvl="3"/>
             <a:r>
-              <a:rPr lang="ru-RU"/>
+              <a:rPr lang="ru-RU" smtClean="0"/>
               <a:t>Четвертый уровень</a:t>
             </a:r>
           </a:p>
           <a:p>
             <a:pPr lvl="4"/>
             <a:r>
-              <a:rPr lang="ru-RU"/>
+              <a:rPr lang="ru-RU" smtClean="0"/>
               <a:t>Пятый уровень</a:t>
             </a:r>
+            <a:endParaRPr lang="ru-RU"/>
           </a:p>
         </p:txBody>
       </p:sp>
@@ -1573,7 +1547,7 @@
           <a:p>
             <a:pPr lvl="0"/>
             <a:r>
-              <a:rPr lang="ru-RU"/>
+              <a:rPr lang="ru-RU" smtClean="0"/>
               <a:t>Образец текста</a:t>
             </a:r>
           </a:p>
@@ -1601,37 +1575,38 @@
           <a:p>
             <a:pPr lvl="0"/>
             <a:r>
-              <a:rPr lang="ru-RU"/>
+              <a:rPr lang="ru-RU" smtClean="0"/>
               <a:t>Образец текста</a:t>
             </a:r>
           </a:p>
           <a:p>
             <a:pPr lvl="1"/>
             <a:r>
-              <a:rPr lang="ru-RU"/>
+              <a:rPr lang="ru-RU" smtClean="0"/>
               <a:t>Второй уровень</a:t>
             </a:r>
           </a:p>
           <a:p>
             <a:pPr lvl="2"/>
             <a:r>
-              <a:rPr lang="ru-RU"/>
+              <a:rPr lang="ru-RU" smtClean="0"/>
               <a:t>Третий уровень</a:t>
             </a:r>
           </a:p>
           <a:p>
             <a:pPr lvl="3"/>
             <a:r>
-              <a:rPr lang="ru-RU"/>
+              <a:rPr lang="ru-RU" smtClean="0"/>
               <a:t>Четвертый уровень</a:t>
             </a:r>
           </a:p>
           <a:p>
             <a:pPr lvl="4"/>
             <a:r>
-              <a:rPr lang="ru-RU"/>
+              <a:rPr lang="ru-RU" smtClean="0"/>
               <a:t>Пятый уровень</a:t>
             </a:r>
+            <a:endParaRPr lang="ru-RU"/>
           </a:p>
         </p:txBody>
       </p:sp>
@@ -1650,9 +1625,9 @@
           <a:bodyPr/>
           <a:lstStyle/>
           <a:p>
-            <a:fld id="{2FA08478-A228-4BEF-811F-AFB02380E252}" type="datetimeFigureOut">
-              <a:rPr lang="ru-RU" smtClean="0"/>
-              <a:t>26.04.2021</a:t>
+            <a:fld id="{848C1E3F-C681-4BB8-A056-F5A7CBA31011}" type="datetimeFigureOut">
+              <a:rPr lang="ru-RU" smtClean="0"/>
+              <a:t>10.05.2021</a:t>
             </a:fld>
             <a:endParaRPr lang="ru-RU"/>
           </a:p>
@@ -1692,7 +1667,7 @@
           <a:bodyPr/>
           <a:lstStyle/>
           <a:p>
-            <a:fld id="{DE38529E-1FA8-4CEE-89B9-8E36EAAE21F0}" type="slidenum">
+            <a:fld id="{D244833C-E1B6-4D51-A0DC-659BD674F9AC}" type="slidenum">
               <a:rPr lang="ru-RU" smtClean="0"/>
               <a:t>‹#›</a:t>
             </a:fld>
@@ -1703,7 +1678,7 @@
     </p:spTree>
     <p:extLst>
       <p:ext uri="{BB962C8B-B14F-4D97-AF65-F5344CB8AC3E}">
-        <p14:creationId xmlns:p14="http://schemas.microsoft.com/office/powerpoint/2010/main" val="2236095155"/>
+        <p14:creationId xmlns:p14="http://schemas.microsoft.com/office/powerpoint/2010/main" val="588143853"/>
       </p:ext>
     </p:extLst>
   </p:cSld>
@@ -1746,9 +1721,10 @@
           <a:lstStyle/>
           <a:p>
             <a:r>
-              <a:rPr lang="ru-RU"/>
+              <a:rPr lang="ru-RU" smtClean="0"/>
               <a:t>Образец заголовка</a:t>
             </a:r>
+            <a:endParaRPr lang="ru-RU"/>
           </a:p>
         </p:txBody>
       </p:sp>
@@ -1767,9 +1743,9 @@
           <a:bodyPr/>
           <a:lstStyle/>
           <a:p>
-            <a:fld id="{2FA08478-A228-4BEF-811F-AFB02380E252}" type="datetimeFigureOut">
-              <a:rPr lang="ru-RU" smtClean="0"/>
-              <a:t>26.04.2021</a:t>
+            <a:fld id="{848C1E3F-C681-4BB8-A056-F5A7CBA31011}" type="datetimeFigureOut">
+              <a:rPr lang="ru-RU" smtClean="0"/>
+              <a:t>10.05.2021</a:t>
             </a:fld>
             <a:endParaRPr lang="ru-RU"/>
           </a:p>
@@ -1809,7 +1785,7 @@
           <a:bodyPr/>
           <a:lstStyle/>
           <a:p>
-            <a:fld id="{DE38529E-1FA8-4CEE-89B9-8E36EAAE21F0}" type="slidenum">
+            <a:fld id="{D244833C-E1B6-4D51-A0DC-659BD674F9AC}" type="slidenum">
               <a:rPr lang="ru-RU" smtClean="0"/>
               <a:t>‹#›</a:t>
             </a:fld>
@@ -1820,7 +1796,7 @@
     </p:spTree>
     <p:extLst>
       <p:ext uri="{BB962C8B-B14F-4D97-AF65-F5344CB8AC3E}">
-        <p14:creationId xmlns:p14="http://schemas.microsoft.com/office/powerpoint/2010/main" val="1084914039"/>
+        <p14:creationId xmlns:p14="http://schemas.microsoft.com/office/powerpoint/2010/main" val="1027557419"/>
       </p:ext>
     </p:extLst>
   </p:cSld>
@@ -1862,9 +1838,9 @@
           <a:bodyPr/>
           <a:lstStyle/>
           <a:p>
-            <a:fld id="{2FA08478-A228-4BEF-811F-AFB02380E252}" type="datetimeFigureOut">
-              <a:rPr lang="ru-RU" smtClean="0"/>
-              <a:t>26.04.2021</a:t>
+            <a:fld id="{848C1E3F-C681-4BB8-A056-F5A7CBA31011}" type="datetimeFigureOut">
+              <a:rPr lang="ru-RU" smtClean="0"/>
+              <a:t>10.05.2021</a:t>
             </a:fld>
             <a:endParaRPr lang="ru-RU"/>
           </a:p>
@@ -1904,7 +1880,7 @@
           <a:bodyPr/>
           <a:lstStyle/>
           <a:p>
-            <a:fld id="{DE38529E-1FA8-4CEE-89B9-8E36EAAE21F0}" type="slidenum">
+            <a:fld id="{D244833C-E1B6-4D51-A0DC-659BD674F9AC}" type="slidenum">
               <a:rPr lang="ru-RU" smtClean="0"/>
               <a:t>‹#›</a:t>
             </a:fld>
@@ -1915,7 +1891,7 @@
     </p:spTree>
     <p:extLst>
       <p:ext uri="{BB962C8B-B14F-4D97-AF65-F5344CB8AC3E}">
-        <p14:creationId xmlns:p14="http://schemas.microsoft.com/office/powerpoint/2010/main" val="401646536"/>
+        <p14:creationId xmlns:p14="http://schemas.microsoft.com/office/powerpoint/2010/main" val="460476084"/>
       </p:ext>
     </p:extLst>
   </p:cSld>
@@ -1967,9 +1943,10 @@
           </a:lstStyle>
           <a:p>
             <a:r>
-              <a:rPr lang="ru-RU"/>
+              <a:rPr lang="ru-RU" smtClean="0"/>
               <a:t>Образец заголовка</a:t>
             </a:r>
+            <a:endParaRPr lang="ru-RU"/>
           </a:p>
         </p:txBody>
       </p:sp>
@@ -2023,37 +2000,38 @@
           <a:p>
             <a:pPr lvl="0"/>
             <a:r>
-              <a:rPr lang="ru-RU"/>
+              <a:rPr lang="ru-RU" smtClean="0"/>
               <a:t>Образец текста</a:t>
             </a:r>
           </a:p>
           <a:p>
             <a:pPr lvl="1"/>
             <a:r>
-              <a:rPr lang="ru-RU"/>
+              <a:rPr lang="ru-RU" smtClean="0"/>
               <a:t>Второй уровень</a:t>
             </a:r>
           </a:p>
           <a:p>
             <a:pPr lvl="2"/>
             <a:r>
-              <a:rPr lang="ru-RU"/>
+              <a:rPr lang="ru-RU" smtClean="0"/>
               <a:t>Третий уровень</a:t>
             </a:r>
           </a:p>
           <a:p>
             <a:pPr lvl="3"/>
             <a:r>
-              <a:rPr lang="ru-RU"/>
+              <a:rPr lang="ru-RU" smtClean="0"/>
               <a:t>Четвертый уровень</a:t>
             </a:r>
           </a:p>
           <a:p>
             <a:pPr lvl="4"/>
             <a:r>
-              <a:rPr lang="ru-RU"/>
+              <a:rPr lang="ru-RU" smtClean="0"/>
               <a:t>Пятый уровень</a:t>
             </a:r>
+            <a:endParaRPr lang="ru-RU"/>
           </a:p>
         </p:txBody>
       </p:sp>
@@ -2116,7 +2094,7 @@
           <a:p>
             <a:pPr lvl="0"/>
             <a:r>
-              <a:rPr lang="ru-RU"/>
+              <a:rPr lang="ru-RU" smtClean="0"/>
               <a:t>Образец текста</a:t>
             </a:r>
           </a:p>
@@ -2137,9 +2115,9 @@
           <a:bodyPr/>
           <a:lstStyle/>
           <a:p>
-            <a:fld id="{2FA08478-A228-4BEF-811F-AFB02380E252}" type="datetimeFigureOut">
-              <a:rPr lang="ru-RU" smtClean="0"/>
-              <a:t>26.04.2021</a:t>
+            <a:fld id="{848C1E3F-C681-4BB8-A056-F5A7CBA31011}" type="datetimeFigureOut">
+              <a:rPr lang="ru-RU" smtClean="0"/>
+              <a:t>10.05.2021</a:t>
             </a:fld>
             <a:endParaRPr lang="ru-RU"/>
           </a:p>
@@ -2179,7 +2157,7 @@
           <a:bodyPr/>
           <a:lstStyle/>
           <a:p>
-            <a:fld id="{DE38529E-1FA8-4CEE-89B9-8E36EAAE21F0}" type="slidenum">
+            <a:fld id="{D244833C-E1B6-4D51-A0DC-659BD674F9AC}" type="slidenum">
               <a:rPr lang="ru-RU" smtClean="0"/>
               <a:t>‹#›</a:t>
             </a:fld>
@@ -2190,7 +2168,7 @@
     </p:spTree>
     <p:extLst>
       <p:ext uri="{BB962C8B-B14F-4D97-AF65-F5344CB8AC3E}">
-        <p14:creationId xmlns:p14="http://schemas.microsoft.com/office/powerpoint/2010/main" val="3265656794"/>
+        <p14:creationId xmlns:p14="http://schemas.microsoft.com/office/powerpoint/2010/main" val="1619366585"/>
       </p:ext>
     </p:extLst>
   </p:cSld>
@@ -2242,9 +2220,10 @@
           </a:lstStyle>
           <a:p>
             <a:r>
-              <a:rPr lang="ru-RU"/>
+              <a:rPr lang="ru-RU" smtClean="0"/>
               <a:t>Образец заголовка</a:t>
             </a:r>
+            <a:endParaRPr lang="ru-RU"/>
           </a:p>
         </p:txBody>
       </p:sp>
@@ -2368,7 +2347,7 @@
           <a:p>
             <a:pPr lvl="0"/>
             <a:r>
-              <a:rPr lang="ru-RU"/>
+              <a:rPr lang="ru-RU" smtClean="0"/>
               <a:t>Образец текста</a:t>
             </a:r>
           </a:p>
@@ -2389,9 +2368,9 @@
           <a:bodyPr/>
           <a:lstStyle/>
           <a:p>
-            <a:fld id="{2FA08478-A228-4BEF-811F-AFB02380E252}" type="datetimeFigureOut">
-              <a:rPr lang="ru-RU" smtClean="0"/>
-              <a:t>26.04.2021</a:t>
+            <a:fld id="{848C1E3F-C681-4BB8-A056-F5A7CBA31011}" type="datetimeFigureOut">
+              <a:rPr lang="ru-RU" smtClean="0"/>
+              <a:t>10.05.2021</a:t>
             </a:fld>
             <a:endParaRPr lang="ru-RU"/>
           </a:p>
@@ -2431,7 +2410,7 @@
           <a:bodyPr/>
           <a:lstStyle/>
           <a:p>
-            <a:fld id="{DE38529E-1FA8-4CEE-89B9-8E36EAAE21F0}" type="slidenum">
+            <a:fld id="{D244833C-E1B6-4D51-A0DC-659BD674F9AC}" type="slidenum">
               <a:rPr lang="ru-RU" smtClean="0"/>
               <a:t>‹#›</a:t>
             </a:fld>
@@ -2442,7 +2421,7 @@
     </p:spTree>
     <p:extLst>
       <p:ext uri="{BB962C8B-B14F-4D97-AF65-F5344CB8AC3E}">
-        <p14:creationId xmlns:p14="http://schemas.microsoft.com/office/powerpoint/2010/main" val="3330800420"/>
+        <p14:creationId xmlns:p14="http://schemas.microsoft.com/office/powerpoint/2010/main" val="1585613668"/>
       </p:ext>
     </p:extLst>
   </p:cSld>
@@ -2500,9 +2479,10 @@
           <a:lstStyle/>
           <a:p>
             <a:r>
-              <a:rPr lang="ru-RU"/>
+              <a:rPr lang="ru-RU" smtClean="0"/>
               <a:t>Образец заголовка</a:t>
             </a:r>
+            <a:endParaRPr lang="ru-RU"/>
           </a:p>
         </p:txBody>
       </p:sp>
@@ -2533,37 +2513,38 @@
           <a:p>
             <a:pPr lvl="0"/>
             <a:r>
-              <a:rPr lang="ru-RU"/>
+              <a:rPr lang="ru-RU" smtClean="0"/>
               <a:t>Образец текста</a:t>
             </a:r>
           </a:p>
           <a:p>
             <a:pPr lvl="1"/>
             <a:r>
-              <a:rPr lang="ru-RU"/>
+              <a:rPr lang="ru-RU" smtClean="0"/>
               <a:t>Второй уровень</a:t>
             </a:r>
           </a:p>
           <a:p>
             <a:pPr lvl="2"/>
             <a:r>
-              <a:rPr lang="ru-RU"/>
+              <a:rPr lang="ru-RU" smtClean="0"/>
               <a:t>Третий уровень</a:t>
             </a:r>
           </a:p>
           <a:p>
             <a:pPr lvl="3"/>
             <a:r>
-              <a:rPr lang="ru-RU"/>
+              <a:rPr lang="ru-RU" smtClean="0"/>
               <a:t>Четвертый уровень</a:t>
             </a:r>
           </a:p>
           <a:p>
             <a:pPr lvl="4"/>
             <a:r>
-              <a:rPr lang="ru-RU"/>
+              <a:rPr lang="ru-RU" smtClean="0"/>
               <a:t>Пятый уровень</a:t>
             </a:r>
+            <a:endParaRPr lang="ru-RU"/>
           </a:p>
         </p:txBody>
       </p:sp>
@@ -2600,9 +2581,9 @@
             </a:lvl1pPr>
           </a:lstStyle>
           <a:p>
-            <a:fld id="{2FA08478-A228-4BEF-811F-AFB02380E252}" type="datetimeFigureOut">
-              <a:rPr lang="ru-RU" smtClean="0"/>
-              <a:t>26.04.2021</a:t>
+            <a:fld id="{848C1E3F-C681-4BB8-A056-F5A7CBA31011}" type="datetimeFigureOut">
+              <a:rPr lang="ru-RU" smtClean="0"/>
+              <a:t>10.05.2021</a:t>
             </a:fld>
             <a:endParaRPr lang="ru-RU"/>
           </a:p>
@@ -2678,7 +2659,7 @@
             </a:lvl1pPr>
           </a:lstStyle>
           <a:p>
-            <a:fld id="{DE38529E-1FA8-4CEE-89B9-8E36EAAE21F0}" type="slidenum">
+            <a:fld id="{D244833C-E1B6-4D51-A0DC-659BD674F9AC}" type="slidenum">
               <a:rPr lang="ru-RU" smtClean="0"/>
               <a:t>‹#›</a:t>
             </a:fld>
@@ -2689,7 +2670,7 @@
     </p:spTree>
     <p:extLst>
       <p:ext uri="{BB962C8B-B14F-4D97-AF65-F5344CB8AC3E}">
-        <p14:creationId xmlns:p14="http://schemas.microsoft.com/office/powerpoint/2010/main" val="655727523"/>
+        <p14:creationId xmlns:p14="http://schemas.microsoft.com/office/powerpoint/2010/main" val="3597361522"/>
       </p:ext>
     </p:extLst>
   </p:cSld>
@@ -3023,12 +3004,8 @@
           <a:lstStyle/>
           <a:p>
             <a:r>
-              <a:rPr lang="ru-RU" dirty="0"/>
-              <a:t>Презентация программы </a:t>
-            </a:r>
-            <a:r>
-              <a:rPr lang="ru-RU" dirty="0" err="1"/>
-              <a:t>ГЕОФото</a:t>
+              <a:rPr lang="ru-RU" dirty="0" smtClean="0"/>
+              <a:t>Презентация программы</a:t>
             </a:r>
             <a:endParaRPr lang="ru-RU" dirty="0"/>
           </a:p>
@@ -3050,27 +3027,29 @@
           <a:lstStyle/>
           <a:p>
             <a:r>
-              <a:rPr lang="ru-RU" dirty="0"/>
-              <a:t>Фёдора </a:t>
-            </a:r>
-            <a:r>
-              <a:rPr lang="ru-RU" dirty="0" err="1"/>
-              <a:t>Архипенкова</a:t>
-            </a:r>
-            <a:endParaRPr lang="ru-RU" dirty="0"/>
+              <a:rPr lang="ru-RU" dirty="0" smtClean="0"/>
+              <a:t>Фёдора Архипенкова</a:t>
+            </a:r>
           </a:p>
         </p:txBody>
       </p:sp>
     </p:spTree>
     <p:extLst>
       <p:ext uri="{BB962C8B-B14F-4D97-AF65-F5344CB8AC3E}">
-        <p14:creationId xmlns:p14="http://schemas.microsoft.com/office/powerpoint/2010/main" val="3959564969"/>
+        <p14:creationId xmlns:p14="http://schemas.microsoft.com/office/powerpoint/2010/main" val="610047663"/>
       </p:ext>
     </p:extLst>
   </p:cSld>
   <p:clrMapOvr>
     <a:masterClrMapping/>
   </p:clrMapOvr>
+  <p:timing>
+    <p:tnLst>
+      <p:par>
+        <p:cTn id="1" dur="indefinite" restart="never" nodeType="tmRoot"/>
+      </p:par>
+    </p:tnLst>
+  </p:timing>
 </p:sld>
 </file>
 
@@ -3093,68 +3072,59 @@
       </p:grpSpPr>
       <p:sp>
         <p:nvSpPr>
-          <p:cNvPr id="2" name="TextBox 1"/>
-          <p:cNvSpPr txBox="1"/>
+          <p:cNvPr id="2" name="Прямоугольник 1"/>
+          <p:cNvSpPr/>
           <p:nvPr/>
         </p:nvSpPr>
         <p:spPr>
           <a:xfrm>
-            <a:off x="1688757" y="568411"/>
-            <a:ext cx="7998940" cy="2585323"/>
+            <a:off x="421757" y="264733"/>
+            <a:ext cx="11167731" cy="3046988"/>
           </a:xfrm>
           <a:prstGeom prst="rect">
             <a:avLst/>
           </a:prstGeom>
-          <a:noFill/>
         </p:spPr>
         <p:txBody>
-          <a:bodyPr wrap="square" rtlCol="0">
+          <a:bodyPr wrap="square">
             <a:spAutoFit/>
           </a:bodyPr>
           <a:lstStyle/>
           <a:p>
             <a:r>
-              <a:rPr lang="ru-RU" dirty="0"/>
-              <a:t>Цель моего проекта - автоматизировать обработку фотографий электрических опор электросетевой компании. Моя программа поможет в </a:t>
-            </a:r>
-            <a:r>
-              <a:rPr lang="ru-RU" dirty="0" smtClean="0"/>
-              <a:t>уточнении </a:t>
-            </a:r>
-            <a:r>
-              <a:rPr lang="ru-RU" dirty="0"/>
-              <a:t>местонахождения </a:t>
-            </a:r>
-            <a:r>
-              <a:rPr lang="ru-RU" dirty="0" smtClean="0"/>
-              <a:t>объекта съёмки определении технических характеристик и  переименовании фотографий </a:t>
-            </a:r>
-            <a:r>
-              <a:rPr lang="ru-RU" dirty="0"/>
-              <a:t>электрических опор для последующего использования в паспортизации объектов. </a:t>
-            </a:r>
-          </a:p>
-          <a:p>
-            <a:endParaRPr lang="ru-RU" dirty="0"/>
-          </a:p>
-          <a:p>
-            <a:r>
-              <a:rPr lang="ru-RU" dirty="0"/>
+              <a:rPr lang="ru-RU" sz="2400" dirty="0" smtClean="0"/>
+              <a:t>Цель моего проекта - автоматизировать обработку фотографий электрических опор электросетевой компании. Моя программа поможет в уточнении местонахождения объекта съёмки определении технических характеристик и  переименовании фотографий электрических опор для последующего использования в паспортизации объектов. </a:t>
+            </a:r>
+          </a:p>
+          <a:p>
+            <a:endParaRPr lang="ru-RU" sz="2400" dirty="0" smtClean="0"/>
+          </a:p>
+          <a:p>
+            <a:r>
+              <a:rPr lang="ru-RU" sz="2400" dirty="0" smtClean="0"/>
               <a:t>В республике Коми более 300 000 опор электрических сетей с различными характеристиками. Фотография опоры изначально не связана с конкретной опорой.</a:t>
             </a:r>
+            <a:endParaRPr lang="ru-RU" sz="2400" dirty="0"/>
           </a:p>
         </p:txBody>
       </p:sp>
     </p:spTree>
     <p:extLst>
       <p:ext uri="{BB962C8B-B14F-4D97-AF65-F5344CB8AC3E}">
-        <p14:creationId xmlns:p14="http://schemas.microsoft.com/office/powerpoint/2010/main" val="2755476726"/>
+        <p14:creationId xmlns:p14="http://schemas.microsoft.com/office/powerpoint/2010/main" val="3164448130"/>
       </p:ext>
     </p:extLst>
   </p:cSld>
   <p:clrMapOvr>
     <a:masterClrMapping/>
   </p:clrMapOvr>
+  <p:timing>
+    <p:tnLst>
+      <p:par>
+        <p:cTn id="1" dur="indefinite" restart="never" nodeType="tmRoot"/>
+      </p:par>
+    </p:tnLst>
+  </p:timing>
 </p:sld>
 </file>
 
@@ -3177,152 +3147,90 @@
       </p:grpSpPr>
       <p:sp>
         <p:nvSpPr>
-          <p:cNvPr id="3" name="TextBox 2"/>
-          <p:cNvSpPr txBox="1"/>
+          <p:cNvPr id="2" name="Прямоугольник 1"/>
+          <p:cNvSpPr/>
           <p:nvPr/>
         </p:nvSpPr>
         <p:spPr>
           <a:xfrm>
-            <a:off x="543697" y="345989"/>
-            <a:ext cx="10445579" cy="1200329"/>
-          </a:xfrm>
-          <a:prstGeom prst="rect">
-            <a:avLst/>
-          </a:prstGeom>
-          <a:noFill/>
-        </p:spPr>
-        <p:txBody>
-          <a:bodyPr wrap="square" rtlCol="0">
-            <a:spAutoFit/>
-          </a:bodyPr>
-          <a:lstStyle/>
-          <a:p>
-            <a:r>
-              <a:rPr lang="ru-RU" dirty="0" smtClean="0"/>
-              <a:t>Для данной программы я научился смотреть данные файла</a:t>
-            </a:r>
-            <a:r>
-              <a:rPr lang="en-US" dirty="0" smtClean="0"/>
-              <a:t> </a:t>
-            </a:r>
-            <a:r>
-              <a:rPr lang="ru-RU" dirty="0" smtClean="0"/>
-              <a:t>с использованием </a:t>
-            </a:r>
-            <a:r>
-              <a:rPr lang="en-US" dirty="0" smtClean="0"/>
-              <a:t>Python</a:t>
-            </a:r>
-            <a:r>
-              <a:rPr lang="ru-RU" dirty="0" smtClean="0"/>
-              <a:t>, работать с файлами баз данных </a:t>
-            </a:r>
-            <a:r>
-              <a:rPr lang="en-US" dirty="0" err="1" smtClean="0"/>
-              <a:t>sqlite</a:t>
-            </a:r>
-            <a:r>
-              <a:rPr lang="ru-RU" dirty="0" smtClean="0"/>
-              <a:t> и расширением </a:t>
-            </a:r>
-            <a:r>
-              <a:rPr lang="en-US" dirty="0" err="1" smtClean="0"/>
-              <a:t>spatialite</a:t>
-            </a:r>
-            <a:r>
-              <a:rPr lang="ru-RU" dirty="0" smtClean="0"/>
-              <a:t>. Использовал библиотеку создания интерфейсов </a:t>
-            </a:r>
-            <a:r>
-              <a:rPr lang="en-US" dirty="0" smtClean="0"/>
-              <a:t>PyQT5</a:t>
-            </a:r>
-            <a:r>
-              <a:rPr lang="ru-RU" dirty="0" smtClean="0"/>
-              <a:t>, библиотеку работы с изображениями </a:t>
-            </a:r>
-            <a:r>
-              <a:rPr lang="en-US" dirty="0" smtClean="0"/>
-              <a:t>Pillow. </a:t>
-            </a:r>
-            <a:r>
-              <a:rPr lang="ru-RU" dirty="0" smtClean="0"/>
-              <a:t>Б</a:t>
-            </a:r>
-            <a:r>
-              <a:rPr lang="ru-RU" dirty="0" smtClean="0"/>
-              <a:t>иблиотеку </a:t>
-            </a:r>
-            <a:r>
-              <a:rPr lang="en-US" dirty="0" smtClean="0"/>
-              <a:t>requests</a:t>
-            </a:r>
-            <a:r>
-              <a:rPr lang="ru-RU" dirty="0" smtClean="0"/>
-              <a:t> для обр</a:t>
-            </a:r>
-            <a:r>
-              <a:rPr lang="ru-RU" dirty="0" smtClean="0"/>
-              <a:t>ащения к </a:t>
-            </a:r>
-            <a:r>
-              <a:rPr lang="en-US" dirty="0" smtClean="0"/>
-              <a:t>API </a:t>
-            </a:r>
-            <a:r>
-              <a:rPr lang="ru-RU" dirty="0" smtClean="0"/>
-              <a:t>сервису </a:t>
-            </a:r>
-            <a:r>
-              <a:rPr lang="ru-RU" dirty="0" err="1" smtClean="0"/>
-              <a:t>яндекса</a:t>
-            </a:r>
-            <a:r>
-              <a:rPr lang="ru-RU" dirty="0" smtClean="0"/>
-              <a:t>, чтобы получать изображения карты/спутника с пометками объектов</a:t>
-            </a:r>
-            <a:r>
-              <a:rPr lang="ru-RU" dirty="0" smtClean="0"/>
-              <a:t>.</a:t>
-            </a:r>
-            <a:endParaRPr lang="en-US" dirty="0"/>
-          </a:p>
-        </p:txBody>
-      </p:sp>
-      <p:pic>
-        <p:nvPicPr>
-          <p:cNvPr id="2" name="Рисунок 1"/>
-          <p:cNvPicPr>
-            <a:picLocks noChangeAspect="1"/>
-          </p:cNvPicPr>
-          <p:nvPr/>
-        </p:nvPicPr>
-        <p:blipFill>
-          <a:blip r:embed="rId2"/>
-          <a:stretch>
-            <a:fillRect/>
-          </a:stretch>
-        </p:blipFill>
-        <p:spPr>
-          <a:xfrm>
-            <a:off x="2759676" y="1610625"/>
-            <a:ext cx="5192412" cy="5179029"/>
+            <a:off x="230372" y="126509"/>
+            <a:ext cx="11763154" cy="1015663"/>
           </a:xfrm>
           <a:prstGeom prst="rect">
             <a:avLst/>
           </a:prstGeom>
         </p:spPr>
-      </p:pic>
+        <p:txBody>
+          <a:bodyPr wrap="square">
+            <a:spAutoFit/>
+          </a:bodyPr>
+          <a:lstStyle/>
+          <a:p>
+            <a:r>
+              <a:rPr lang="ru-RU" sz="2000" dirty="0" smtClean="0"/>
+              <a:t>Для выполнения поставленной задачи, я создал собственный </a:t>
+            </a:r>
+            <a:r>
+              <a:rPr lang="en-US" sz="2000" dirty="0" smtClean="0"/>
+              <a:t>API</a:t>
+            </a:r>
+            <a:r>
+              <a:rPr lang="ru-RU" sz="2000" dirty="0" smtClean="0"/>
+              <a:t> сервис, который принимает координаты, силы напряжения, количество опор, максимальное расстояние до опоры. </a:t>
+            </a:r>
+            <a:r>
+              <a:rPr lang="ru-RU" sz="2000" dirty="0" smtClean="0"/>
+              <a:t>Пример запроса</a:t>
+            </a:r>
+            <a:r>
+              <a:rPr lang="en-US" sz="2000" dirty="0" smtClean="0"/>
+              <a:t>:</a:t>
+            </a:r>
+            <a:r>
+              <a:rPr lang="ru-RU" sz="2000" dirty="0" smtClean="0"/>
+              <a:t> </a:t>
+            </a:r>
+            <a:r>
+              <a:rPr lang="en-US" sz="2000" dirty="0"/>
+              <a:t>https://flasktest.spin-one.ru/api/geo/50.97598/60.43534/'110 </a:t>
+            </a:r>
+            <a:r>
+              <a:rPr lang="ru-RU" sz="2000" dirty="0" err="1"/>
+              <a:t>кВ</a:t>
+            </a:r>
+            <a:r>
+              <a:rPr lang="ru-RU" sz="2000" dirty="0"/>
+              <a:t>'/</a:t>
+            </a:r>
+            <a:r>
+              <a:rPr lang="ru-RU" sz="2000" dirty="0" smtClean="0"/>
+              <a:t>10/100000</a:t>
+            </a:r>
+            <a:r>
+              <a:rPr lang="ru-RU" sz="2000" dirty="0"/>
+              <a:t>.</a:t>
+            </a:r>
+            <a:endParaRPr lang="ru-RU" sz="2000" dirty="0"/>
+          </a:p>
+        </p:txBody>
+      </p:sp>
     </p:spTree>
     <p:extLst>
       <p:ext uri="{BB962C8B-B14F-4D97-AF65-F5344CB8AC3E}">
-        <p14:creationId xmlns:p14="http://schemas.microsoft.com/office/powerpoint/2010/main" val="3571813508"/>
+        <p14:creationId xmlns:p14="http://schemas.microsoft.com/office/powerpoint/2010/main" val="376595793"/>
       </p:ext>
     </p:extLst>
   </p:cSld>
   <p:clrMapOvr>
     <a:masterClrMapping/>
   </p:clrMapOvr>
+  <p:timing>
+    <p:tnLst>
+      <p:par>
+        <p:cTn id="1" dur="indefinite" restart="never" nodeType="tmRoot"/>
+      </p:par>
+    </p:tnLst>
+  </p:timing>
 </p:sld>
 </file>
 
@@ -3343,45 +3251,116 @@
           <a:chExt cx="0" cy="0"/>
         </a:xfrm>
       </p:grpSpPr>
-      <p:sp>
-        <p:nvSpPr>
-          <p:cNvPr id="2" name="TextBox 1"/>
-          <p:cNvSpPr txBox="1"/>
+      <p:pic>
+        <p:nvPicPr>
+          <p:cNvPr id="2" name="Рисунок 1"/>
+          <p:cNvPicPr>
+            <a:picLocks noChangeAspect="1"/>
+          </p:cNvPicPr>
           <p:nvPr/>
-        </p:nvSpPr>
+        </p:nvPicPr>
+        <p:blipFill>
+          <a:blip r:embed="rId2"/>
+          <a:stretch>
+            <a:fillRect/>
+          </a:stretch>
+        </p:blipFill>
         <p:spPr>
           <a:xfrm>
-            <a:off x="2051221" y="378941"/>
-            <a:ext cx="8649730" cy="646331"/>
+            <a:off x="3499794" y="1678971"/>
+            <a:ext cx="5192412" cy="5179029"/>
           </a:xfrm>
           <a:prstGeom prst="rect">
             <a:avLst/>
           </a:prstGeom>
-          <a:noFill/>
         </p:spPr>
-        <p:txBody>
-          <a:bodyPr wrap="square" rtlCol="0">
+      </p:pic>
+      <p:sp>
+        <p:nvSpPr>
+          <p:cNvPr id="3" name="Прямоугольник 2"/>
+          <p:cNvSpPr/>
+          <p:nvPr/>
+        </p:nvSpPr>
+        <p:spPr>
+          <a:xfrm>
+            <a:off x="451793" y="201643"/>
+            <a:ext cx="11226859" cy="923330"/>
+          </a:xfrm>
+          <a:prstGeom prst="rect">
+            <a:avLst/>
+          </a:prstGeom>
+        </p:spPr>
+        <p:txBody>
+          <a:bodyPr wrap="square">
             <a:spAutoFit/>
           </a:bodyPr>
           <a:lstStyle/>
           <a:p>
             <a:r>
-              <a:rPr lang="ru-RU" dirty="0"/>
-              <a:t>Моя программа нужна работникам электросетевой компании, аналогов не было найдено, так как задача узкоспециализирована.</a:t>
-            </a:r>
+              <a:rPr lang="ru-RU" dirty="0" smtClean="0"/>
+              <a:t>Для программы я использовал библиотеку создания интерфейсов </a:t>
+            </a:r>
+            <a:r>
+              <a:rPr lang="en-US" dirty="0" smtClean="0"/>
+              <a:t>PyQT5</a:t>
+            </a:r>
+            <a:r>
+              <a:rPr lang="ru-RU" dirty="0" smtClean="0"/>
+              <a:t>, библиотеку работы с изображениями </a:t>
+            </a:r>
+            <a:r>
+              <a:rPr lang="en-US" dirty="0" smtClean="0"/>
+              <a:t>Pillow. </a:t>
+            </a:r>
+            <a:r>
+              <a:rPr lang="ru-RU" dirty="0" smtClean="0"/>
+              <a:t>Библиотеку </a:t>
+            </a:r>
+            <a:r>
+              <a:rPr lang="en-US" dirty="0" smtClean="0"/>
+              <a:t>requests</a:t>
+            </a:r>
+            <a:r>
+              <a:rPr lang="ru-RU" dirty="0" smtClean="0"/>
+              <a:t> для обращения к </a:t>
+            </a:r>
+            <a:r>
+              <a:rPr lang="en-US" dirty="0" smtClean="0"/>
+              <a:t>API </a:t>
+            </a:r>
+            <a:r>
+              <a:rPr lang="ru-RU" dirty="0" smtClean="0"/>
+              <a:t>сервису </a:t>
+            </a:r>
+            <a:r>
+              <a:rPr lang="ru-RU" dirty="0" err="1" smtClean="0"/>
+              <a:t>яндекса</a:t>
+            </a:r>
+            <a:r>
+              <a:rPr lang="ru-RU" dirty="0" smtClean="0"/>
+              <a:t>, чтобы получать изображения карты/спутника с пометками объектов.</a:t>
+            </a:r>
+            <a:endParaRPr lang="en-US" dirty="0"/>
           </a:p>
         </p:txBody>
       </p:sp>
     </p:spTree>
     <p:extLst>
       <p:ext uri="{BB962C8B-B14F-4D97-AF65-F5344CB8AC3E}">
-        <p14:creationId xmlns:p14="http://schemas.microsoft.com/office/powerpoint/2010/main" val="3719964900"/>
+        <p14:creationId xmlns:p14="http://schemas.microsoft.com/office/powerpoint/2010/main" val="2343933846"/>
       </p:ext>
     </p:extLst>
   </p:cSld>
   <p:clrMapOvr>
     <a:masterClrMapping/>
   </p:clrMapOvr>
+  <p:timing>
+    <p:tnLst>
+      <p:par>
+        <p:cTn id="1" dur="indefinite" restart="never" nodeType="tmRoot"/>
+      </p:par>
+    </p:tnLst>
+  </p:timing>
 </p:sld>
 </file>
 
@@ -3404,61 +3383,37 @@
       </p:grpSpPr>
       <p:sp>
         <p:nvSpPr>
-          <p:cNvPr id="3" name="TextBox 2"/>
-          <p:cNvSpPr txBox="1"/>
+          <p:cNvPr id="2" name="Прямоугольник 1"/>
+          <p:cNvSpPr/>
           <p:nvPr/>
         </p:nvSpPr>
         <p:spPr>
           <a:xfrm>
-            <a:off x="1618735" y="264966"/>
-            <a:ext cx="9353550" cy="923330"/>
-          </a:xfrm>
-          <a:prstGeom prst="rect">
-            <a:avLst/>
-          </a:prstGeom>
-          <a:noFill/>
-        </p:spPr>
-        <p:txBody>
-          <a:bodyPr wrap="square" rtlCol="0">
-            <a:spAutoFit/>
-          </a:bodyPr>
-          <a:lstStyle/>
-          <a:p>
-            <a:r>
-              <a:rPr lang="ru-RU" dirty="0"/>
-              <a:t>Моя программа запрашивает у пользователя директорию с фотографиями. Позволяет настроить критерии отборов в базе данных характеристик опор по силе напряжения, максимальное расстояние до опоры, количество опор. </a:t>
-            </a:r>
-          </a:p>
-        </p:txBody>
-      </p:sp>
-      <p:pic>
-        <p:nvPicPr>
-          <p:cNvPr id="5" name="Рисунок 4"/>
-          <p:cNvPicPr>
-            <a:picLocks noChangeAspect="1"/>
-          </p:cNvPicPr>
-          <p:nvPr/>
-        </p:nvPicPr>
-        <p:blipFill>
-          <a:blip r:embed="rId2"/>
-          <a:stretch>
-            <a:fillRect/>
-          </a:stretch>
-        </p:blipFill>
-        <p:spPr>
-          <a:xfrm>
-            <a:off x="1618735" y="1188296"/>
-            <a:ext cx="9625527" cy="4817216"/>
+            <a:off x="208547" y="240177"/>
+            <a:ext cx="11823032" cy="830997"/>
           </a:xfrm>
           <a:prstGeom prst="rect">
             <a:avLst/>
           </a:prstGeom>
         </p:spPr>
-      </p:pic>
+        <p:txBody>
+          <a:bodyPr wrap="square">
+            <a:spAutoFit/>
+          </a:bodyPr>
+          <a:lstStyle/>
+          <a:p>
+            <a:r>
+              <a:rPr lang="ru-RU" sz="2400" dirty="0" smtClean="0"/>
+              <a:t>Моя программа нужна работникам электросетевой компании, аналогов не было найдено, так как задача узкоспециализирована.</a:t>
+            </a:r>
+            <a:endParaRPr lang="ru-RU" sz="2400" dirty="0"/>
+          </a:p>
+        </p:txBody>
+      </p:sp>
     </p:spTree>
     <p:extLst>
       <p:ext uri="{BB962C8B-B14F-4D97-AF65-F5344CB8AC3E}">
-        <p14:creationId xmlns:p14="http://schemas.microsoft.com/office/powerpoint/2010/main" val="1248186121"/>
+        <p14:creationId xmlns:p14="http://schemas.microsoft.com/office/powerpoint/2010/main" val="3761006136"/>
       </p:ext>
     </p:extLst>
   </p:cSld>
@@ -3487,36 +3442,36 @@
       </p:grpSpPr>
       <p:sp>
         <p:nvSpPr>
-          <p:cNvPr id="2" name="TextBox 1"/>
-          <p:cNvSpPr txBox="1"/>
+          <p:cNvPr id="2" name="Прямоугольник 1"/>
+          <p:cNvSpPr/>
           <p:nvPr/>
         </p:nvSpPr>
         <p:spPr>
           <a:xfrm>
-            <a:off x="407775" y="747069"/>
-            <a:ext cx="3113902" cy="3970318"/>
+            <a:off x="786063" y="256674"/>
+            <a:ext cx="10876548" cy="1200329"/>
           </a:xfrm>
           <a:prstGeom prst="rect">
             <a:avLst/>
           </a:prstGeom>
-          <a:noFill/>
         </p:spPr>
         <p:txBody>
-          <a:bodyPr wrap="square" lIns="91440" tIns="45720" rIns="91440" bIns="45720" rtlCol="0" anchor="t">
+          <a:bodyPr wrap="square">
             <a:spAutoFit/>
           </a:bodyPr>
           <a:lstStyle/>
           <a:p>
             <a:r>
-              <a:rPr lang="ru-RU" dirty="0"/>
-              <a:t>После настройки выбираем фотографию, срабатывает алгоритм, который ищет координаты в тегах фотографии, показывается фото в уменьшенном формате и карта этого места с пометками опор, ближайшие к ней опоры из базы данных, расстояние до опоры, и другие данные опор, так же показывается путь к фото и то во что будет переименован файл.</a:t>
-            </a:r>
+              <a:rPr lang="ru-RU" sz="2400" dirty="0" smtClean="0"/>
+              <a:t>Моя программа запрашивает у пользователя директорию с фотографиями. Позволяет настроить критерии отборов в базе данных характеристик опор по силе напряжения, максимальное расстояние до опоры, количество опор. </a:t>
+            </a:r>
+            <a:endParaRPr lang="ru-RU" sz="2400" dirty="0"/>
           </a:p>
         </p:txBody>
       </p:sp>
       <p:pic>
         <p:nvPicPr>
-          <p:cNvPr id="4" name="Рисунок 3"/>
+          <p:cNvPr id="3" name="Рисунок 2"/>
           <p:cNvPicPr>
             <a:picLocks noChangeAspect="1"/>
           </p:cNvPicPr>
@@ -3530,8 +3485,8 @@
         </p:blipFill>
         <p:spPr>
           <a:xfrm>
-            <a:off x="3621463" y="82378"/>
-            <a:ext cx="8903235" cy="6858000"/>
+            <a:off x="786063" y="1457003"/>
+            <a:ext cx="9625527" cy="4817216"/>
           </a:xfrm>
           <a:prstGeom prst="rect">
             <a:avLst/>
@@ -3541,7 +3496,7 @@
     </p:spTree>
     <p:extLst>
       <p:ext uri="{BB962C8B-B14F-4D97-AF65-F5344CB8AC3E}">
-        <p14:creationId xmlns:p14="http://schemas.microsoft.com/office/powerpoint/2010/main" val="342360344"/>
+        <p14:creationId xmlns:p14="http://schemas.microsoft.com/office/powerpoint/2010/main" val="731899782"/>
       </p:ext>
     </p:extLst>
   </p:cSld>
@@ -3570,81 +3525,51 @@
       </p:grpSpPr>
       <p:sp>
         <p:nvSpPr>
-          <p:cNvPr id="3" name="TextBox 2"/>
-          <p:cNvSpPr txBox="1"/>
+          <p:cNvPr id="2" name="Прямоугольник 1"/>
+          <p:cNvSpPr/>
           <p:nvPr/>
         </p:nvSpPr>
         <p:spPr>
           <a:xfrm>
-            <a:off x="2809875" y="1114425"/>
-            <a:ext cx="7143750" cy="646331"/>
+            <a:off x="0" y="343906"/>
+            <a:ext cx="3288632" cy="4247317"/>
           </a:xfrm>
           <a:prstGeom prst="rect">
             <a:avLst/>
           </a:prstGeom>
-          <a:noFill/>
         </p:spPr>
         <p:txBody>
-          <a:bodyPr wrap="square" lIns="91440" tIns="45720" rIns="91440" bIns="45720" rtlCol="0" anchor="t">
+          <a:bodyPr wrap="square">
             <a:spAutoFit/>
           </a:bodyPr>
           <a:lstStyle/>
           <a:p>
             <a:r>
-              <a:rPr lang="ru-RU" dirty="0"/>
-              <a:t>Также можно заменить шрифт у виджетов программы, изменить путь к базе данных с опорами,</a:t>
-            </a:r>
+              <a:rPr lang="ru-RU" dirty="0" smtClean="0"/>
+              <a:t>После настройки выбираем фотографию, срабатывает алгоритм, который ищет координаты в тегах фотографии, показывается фото в уменьшенном формате и карта этого места с пометками опор, ближайшие к ней опоры из базы данных, расстояние до опоры, и другие данные опор, получив эти данные ч помощью запроса, так же показывается путь к фото и то во что будет переименован файл.</a:t>
+            </a:r>
+            <a:endParaRPr lang="ru-RU" dirty="0"/>
           </a:p>
         </p:txBody>
       </p:sp>
       <p:pic>
         <p:nvPicPr>
-          <p:cNvPr id="5" name="Рисунок 4"/>
+          <p:cNvPr id="3" name="Рисунок 2"/>
           <p:cNvPicPr>
             <a:picLocks noChangeAspect="1"/>
           </p:cNvPicPr>
           <p:nvPr/>
         </p:nvPicPr>
         <p:blipFill>
-          <a:blip r:embed="rId2">
-            <a:extLst>
-              <a:ext uri="{28A0092B-C50C-407E-A947-70E740481C1C}">
-                <a14:useLocalDpi xmlns:a14="http://schemas.microsoft.com/office/drawing/2010/main" val="0"/>
-              </a:ext>
-            </a:extLst>
-          </a:blip>
+          <a:blip r:embed="rId2"/>
           <a:stretch>
             <a:fillRect/>
           </a:stretch>
         </p:blipFill>
         <p:spPr>
           <a:xfrm>
-            <a:off x="6187389" y="1921075"/>
-            <a:ext cx="5915851" cy="3896269"/>
-          </a:xfrm>
-          <a:prstGeom prst="rect">
-            <a:avLst/>
-          </a:prstGeom>
-        </p:spPr>
-      </p:pic>
-      <p:pic>
-        <p:nvPicPr>
-          <p:cNvPr id="4" name="Рисунок 3"/>
-          <p:cNvPicPr>
-            <a:picLocks noChangeAspect="1"/>
-          </p:cNvPicPr>
-          <p:nvPr/>
-        </p:nvPicPr>
-        <p:blipFill>
-          <a:blip r:embed="rId3"/>
-          <a:stretch>
-            <a:fillRect/>
-          </a:stretch>
-        </p:blipFill>
-        <p:spPr>
-          <a:xfrm>
-            <a:off x="500963" y="1837037"/>
-            <a:ext cx="5407008" cy="4306587"/>
+            <a:off x="3288632" y="343906"/>
+            <a:ext cx="8325852" cy="5816516"/>
           </a:xfrm>
           <a:prstGeom prst="rect">
             <a:avLst/>
@@ -3654,7 +3579,7 @@
     </p:spTree>
     <p:extLst>
       <p:ext uri="{BB962C8B-B14F-4D97-AF65-F5344CB8AC3E}">
-        <p14:creationId xmlns:p14="http://schemas.microsoft.com/office/powerpoint/2010/main" val="3778239859"/>
+        <p14:creationId xmlns:p14="http://schemas.microsoft.com/office/powerpoint/2010/main" val="3647839094"/>
       </p:ext>
     </p:extLst>
   </p:cSld>
@@ -3689,8 +3614,8 @@
         </p:nvSpPr>
         <p:spPr>
           <a:xfrm>
-            <a:off x="1260388" y="528935"/>
-            <a:ext cx="10206681" cy="646331"/>
+            <a:off x="1612715" y="593558"/>
+            <a:ext cx="8253180" cy="461665"/>
           </a:xfrm>
           <a:prstGeom prst="rect">
             <a:avLst/>
@@ -3703,16 +3628,147 @@
           <a:lstStyle/>
           <a:p>
             <a:r>
-              <a:rPr lang="ru-RU" dirty="0"/>
-              <a:t>Планы на развитие программы – добавить функцию вставки текстовых характеристик объекта в фотографию.</a:t>
-            </a:r>
-          </a:p>
-        </p:txBody>
-      </p:sp>
+              <a:rPr lang="ru-RU" sz="2400" dirty="0"/>
+              <a:t>М</a:t>
+            </a:r>
+            <a:r>
+              <a:rPr lang="ru-RU" sz="2400" dirty="0" smtClean="0"/>
+              <a:t>ожно заменить шрифт у </a:t>
+            </a:r>
+            <a:r>
+              <a:rPr lang="ru-RU" sz="2400" dirty="0" err="1" smtClean="0"/>
+              <a:t>виджетов</a:t>
+            </a:r>
+            <a:r>
+              <a:rPr lang="ru-RU" sz="2400" dirty="0" smtClean="0"/>
+              <a:t> программы</a:t>
+            </a:r>
+            <a:endParaRPr lang="ru-RU" sz="2400" dirty="0"/>
+          </a:p>
+        </p:txBody>
+      </p:sp>
+      <p:pic>
+        <p:nvPicPr>
+          <p:cNvPr id="3" name="Рисунок 2"/>
+          <p:cNvPicPr>
+            <a:picLocks noChangeAspect="1"/>
+          </p:cNvPicPr>
+          <p:nvPr/>
+        </p:nvPicPr>
+        <p:blipFill>
+          <a:blip r:embed="rId2">
+            <a:extLst>
+              <a:ext uri="{28A0092B-C50C-407E-A947-70E740481C1C}">
+                <a14:useLocalDpi xmlns:a14="http://schemas.microsoft.com/office/drawing/2010/main" val="0"/>
+              </a:ext>
+            </a:extLst>
+          </a:blip>
+          <a:stretch>
+            <a:fillRect/>
+          </a:stretch>
+        </p:blipFill>
+        <p:spPr>
+          <a:xfrm>
+            <a:off x="1612715" y="1055223"/>
+            <a:ext cx="8317303" cy="5477902"/>
+          </a:xfrm>
+          <a:prstGeom prst="rect">
+            <a:avLst/>
+          </a:prstGeom>
+        </p:spPr>
+      </p:pic>
     </p:spTree>
     <p:extLst>
       <p:ext uri="{BB962C8B-B14F-4D97-AF65-F5344CB8AC3E}">
-        <p14:creationId xmlns:p14="http://schemas.microsoft.com/office/powerpoint/2010/main" val="3607487267"/>
+        <p14:creationId xmlns:p14="http://schemas.microsoft.com/office/powerpoint/2010/main" val="2642651817"/>
+      </p:ext>
+    </p:extLst>
+  </p:cSld>
+  <p:clrMapOvr>
+    <a:masterClrMapping/>
+  </p:clrMapOvr>
+</p:sld>
+</file>
+
+<file path=ppt/slides/slide9.xml><?xml version="1.0" encoding="utf-8"?>
+<p:sld xmlns:a="http://schemas.openxmlformats.org/drawingml/2006/main" xmlns:r="http://schemas.openxmlformats.org/officeDocument/2006/relationships" xmlns:p="http://schemas.openxmlformats.org/presentationml/2006/main">
+  <p:cSld>
+    <p:spTree>
+      <p:nvGrpSpPr>
+        <p:cNvPr id="1" name=""/>
+        <p:cNvGrpSpPr/>
+        <p:nvPr/>
+      </p:nvGrpSpPr>
+      <p:grpSpPr>
+        <a:xfrm>
+          <a:off x="0" y="0"/>
+          <a:ext cx="0" cy="0"/>
+          <a:chOff x="0" y="0"/>
+          <a:chExt cx="0" cy="0"/>
+        </a:xfrm>
+      </p:grpSpPr>
+      <p:sp>
+        <p:nvSpPr>
+          <p:cNvPr id="2" name="Прямоугольник 1"/>
+          <p:cNvSpPr/>
+          <p:nvPr/>
+        </p:nvSpPr>
+        <p:spPr>
+          <a:xfrm>
+            <a:off x="293052" y="148208"/>
+            <a:ext cx="9555693" cy="707886"/>
+          </a:xfrm>
+          <a:prstGeom prst="rect">
+            <a:avLst/>
+          </a:prstGeom>
+        </p:spPr>
+        <p:txBody>
+          <a:bodyPr wrap="none">
+            <a:spAutoFit/>
+          </a:bodyPr>
+          <a:lstStyle/>
+          <a:p>
+            <a:r>
+              <a:rPr lang="ru-RU" sz="4000" dirty="0" smtClean="0"/>
+              <a:t>Всё, конец, можете полюбоваться котиком</a:t>
+            </a:r>
+          </a:p>
+        </p:txBody>
+      </p:sp>
+      <p:pic>
+        <p:nvPicPr>
+          <p:cNvPr id="3" name="Рисунок 2"/>
+          <p:cNvPicPr>
+            <a:picLocks noChangeAspect="1"/>
+          </p:cNvPicPr>
+          <p:nvPr/>
+        </p:nvPicPr>
+        <p:blipFill>
+          <a:blip r:embed="rId2">
+            <a:extLst>
+              <a:ext uri="{28A0092B-C50C-407E-A947-70E740481C1C}">
+                <a14:useLocalDpi xmlns:a14="http://schemas.microsoft.com/office/drawing/2010/main" val="0"/>
+              </a:ext>
+            </a:extLst>
+          </a:blip>
+          <a:stretch>
+            <a:fillRect/>
+          </a:stretch>
+        </p:blipFill>
+        <p:spPr>
+          <a:xfrm>
+            <a:off x="485003" y="856094"/>
+            <a:ext cx="9171790" cy="5732369"/>
+          </a:xfrm>
+          <a:prstGeom prst="rect">
+            <a:avLst/>
+          </a:prstGeom>
+        </p:spPr>
+      </p:pic>
+    </p:spTree>
+    <p:extLst>
+      <p:ext uri="{BB962C8B-B14F-4D97-AF65-F5344CB8AC3E}">
+        <p14:creationId xmlns:p14="http://schemas.microsoft.com/office/powerpoint/2010/main" val="2958768871"/>
       </p:ext>
     </p:extLst>
   </p:cSld>
